--- a/5 - Logistic Regression/Logistic Regression.pptx
+++ b/5 - Logistic Regression/Logistic Regression.pptx
@@ -7010,7 +7010,7 @@
           <a:p>
             <a:fld id="{F666E1FD-E7A0-497B-BBC0-740BAAC97C64}" type="datetimeFigureOut">
               <a:rPr lang="en-PH" smtClean="0"/>
-              <a:t>08/10/2023</a:t>
+              <a:t>7/11/24</a:t>
             </a:fld>
             <a:endParaRPr lang="en-PH"/>
           </a:p>
@@ -9609,9 +9609,9 @@
           <a:bodyPr/>
           <a:lstStyle/>
           <a:p>
-            <a:fld id="{0CCF0B81-6BD8-4C65-9459-815598C5F1F4}" type="datetimeFigureOut">
+            <a:fld id="{0A6B5ABE-C04B-9E45-B7F8-C552B4C8BEA7}" type="datetime1">
               <a:rPr lang="en-PH" smtClean="0"/>
-              <a:t>08/10/2023</a:t>
+              <a:t>7/11/24</a:t>
             </a:fld>
             <a:endParaRPr lang="en-PH"/>
           </a:p>
@@ -9638,7 +9638,10 @@
           <a:bodyPr/>
           <a:lstStyle/>
           <a:p>
-            <a:endParaRPr lang="en-PH"/>
+            <a:r>
+              <a:rPr lang="en-PH"/>
+              <a:t>CCMACLRL</a:t>
+            </a:r>
           </a:p>
         </p:txBody>
       </p:sp>
@@ -9809,9 +9812,9 @@
           <a:bodyPr/>
           <a:lstStyle/>
           <a:p>
-            <a:fld id="{0CCF0B81-6BD8-4C65-9459-815598C5F1F4}" type="datetimeFigureOut">
+            <a:fld id="{7325A457-8FDE-EC48-8D78-6E825839CD95}" type="datetime1">
               <a:rPr lang="en-PH" smtClean="0"/>
-              <a:t>08/10/2023</a:t>
+              <a:t>7/11/24</a:t>
             </a:fld>
             <a:endParaRPr lang="en-PH"/>
           </a:p>
@@ -9838,7 +9841,10 @@
           <a:bodyPr/>
           <a:lstStyle/>
           <a:p>
-            <a:endParaRPr lang="en-PH"/>
+            <a:r>
+              <a:rPr lang="en-PH"/>
+              <a:t>CCMACLRL</a:t>
+            </a:r>
           </a:p>
         </p:txBody>
       </p:sp>
@@ -10019,9 +10025,9 @@
           <a:bodyPr/>
           <a:lstStyle/>
           <a:p>
-            <a:fld id="{0CCF0B81-6BD8-4C65-9459-815598C5F1F4}" type="datetimeFigureOut">
+            <a:fld id="{7D0D2B71-89F1-1B41-8520-07265131CD6F}" type="datetime1">
               <a:rPr lang="en-PH" smtClean="0"/>
-              <a:t>08/10/2023</a:t>
+              <a:t>7/11/24</a:t>
             </a:fld>
             <a:endParaRPr lang="en-PH"/>
           </a:p>
@@ -10048,7 +10054,10 @@
           <a:bodyPr/>
           <a:lstStyle/>
           <a:p>
-            <a:endParaRPr lang="en-PH"/>
+            <a:r>
+              <a:rPr lang="en-PH"/>
+              <a:t>CCMACLRL</a:t>
+            </a:r>
           </a:p>
         </p:txBody>
       </p:sp>
@@ -10219,9 +10228,9 @@
           <a:bodyPr/>
           <a:lstStyle/>
           <a:p>
-            <a:fld id="{0CCF0B81-6BD8-4C65-9459-815598C5F1F4}" type="datetimeFigureOut">
+            <a:fld id="{E37BB272-73C9-494A-AF1B-35582C7763FD}" type="datetime1">
               <a:rPr lang="en-PH" smtClean="0"/>
-              <a:t>08/10/2023</a:t>
+              <a:t>7/11/24</a:t>
             </a:fld>
             <a:endParaRPr lang="en-PH"/>
           </a:p>
@@ -10248,7 +10257,10 @@
           <a:bodyPr/>
           <a:lstStyle/>
           <a:p>
-            <a:endParaRPr lang="en-PH"/>
+            <a:r>
+              <a:rPr lang="en-PH"/>
+              <a:t>CCMACLRL</a:t>
+            </a:r>
           </a:p>
         </p:txBody>
       </p:sp>
@@ -10495,9 +10507,9 @@
           <a:bodyPr/>
           <a:lstStyle/>
           <a:p>
-            <a:fld id="{0CCF0B81-6BD8-4C65-9459-815598C5F1F4}" type="datetimeFigureOut">
+            <a:fld id="{00821449-D51A-F345-BA01-D3DF4CA4D27C}" type="datetime1">
               <a:rPr lang="en-PH" smtClean="0"/>
-              <a:t>08/10/2023</a:t>
+              <a:t>7/11/24</a:t>
             </a:fld>
             <a:endParaRPr lang="en-PH"/>
           </a:p>
@@ -10524,7 +10536,10 @@
           <a:bodyPr/>
           <a:lstStyle/>
           <a:p>
-            <a:endParaRPr lang="en-PH"/>
+            <a:r>
+              <a:rPr lang="en-PH"/>
+              <a:t>CCMACLRL</a:t>
+            </a:r>
           </a:p>
         </p:txBody>
       </p:sp>
@@ -10763,9 +10778,9 @@
           <a:bodyPr/>
           <a:lstStyle/>
           <a:p>
-            <a:fld id="{0CCF0B81-6BD8-4C65-9459-815598C5F1F4}" type="datetimeFigureOut">
+            <a:fld id="{AFB23440-5452-D343-8A06-08527EA413C0}" type="datetime1">
               <a:rPr lang="en-PH" smtClean="0"/>
-              <a:t>08/10/2023</a:t>
+              <a:t>7/11/24</a:t>
             </a:fld>
             <a:endParaRPr lang="en-PH"/>
           </a:p>
@@ -10792,7 +10807,10 @@
           <a:bodyPr/>
           <a:lstStyle/>
           <a:p>
-            <a:endParaRPr lang="en-PH"/>
+            <a:r>
+              <a:rPr lang="en-PH"/>
+              <a:t>CCMACLRL</a:t>
+            </a:r>
           </a:p>
         </p:txBody>
       </p:sp>
@@ -11178,9 +11196,9 @@
           <a:bodyPr/>
           <a:lstStyle/>
           <a:p>
-            <a:fld id="{0CCF0B81-6BD8-4C65-9459-815598C5F1F4}" type="datetimeFigureOut">
+            <a:fld id="{5A7E670F-37FA-4A4D-9891-800FD18F253C}" type="datetime1">
               <a:rPr lang="en-PH" smtClean="0"/>
-              <a:t>08/10/2023</a:t>
+              <a:t>7/11/24</a:t>
             </a:fld>
             <a:endParaRPr lang="en-PH"/>
           </a:p>
@@ -11207,7 +11225,10 @@
           <a:bodyPr/>
           <a:lstStyle/>
           <a:p>
-            <a:endParaRPr lang="en-PH"/>
+            <a:r>
+              <a:rPr lang="en-PH"/>
+              <a:t>CCMACLRL</a:t>
+            </a:r>
           </a:p>
         </p:txBody>
       </p:sp>
@@ -11320,9 +11341,9 @@
           <a:bodyPr/>
           <a:lstStyle/>
           <a:p>
-            <a:fld id="{0CCF0B81-6BD8-4C65-9459-815598C5F1F4}" type="datetimeFigureOut">
+            <a:fld id="{A86F6BAB-616B-AB47-957E-E1676E2F5090}" type="datetime1">
               <a:rPr lang="en-PH" smtClean="0"/>
-              <a:t>08/10/2023</a:t>
+              <a:t>7/11/24</a:t>
             </a:fld>
             <a:endParaRPr lang="en-PH"/>
           </a:p>
@@ -11349,7 +11370,10 @@
           <a:bodyPr/>
           <a:lstStyle/>
           <a:p>
-            <a:endParaRPr lang="en-PH"/>
+            <a:r>
+              <a:rPr lang="en-PH"/>
+              <a:t>CCMACLRL</a:t>
+            </a:r>
           </a:p>
         </p:txBody>
       </p:sp>
@@ -11433,9 +11457,9 @@
           <a:bodyPr/>
           <a:lstStyle/>
           <a:p>
-            <a:fld id="{0CCF0B81-6BD8-4C65-9459-815598C5F1F4}" type="datetimeFigureOut">
+            <a:fld id="{917C2DE5-3D0B-EE43-9D27-18C511AD36EA}" type="datetime1">
               <a:rPr lang="en-PH" smtClean="0"/>
-              <a:t>08/10/2023</a:t>
+              <a:t>7/11/24</a:t>
             </a:fld>
             <a:endParaRPr lang="en-PH"/>
           </a:p>
@@ -11462,7 +11486,10 @@
           <a:bodyPr/>
           <a:lstStyle/>
           <a:p>
-            <a:endParaRPr lang="en-PH"/>
+            <a:r>
+              <a:rPr lang="en-PH"/>
+              <a:t>CCMACLRL</a:t>
+            </a:r>
           </a:p>
         </p:txBody>
       </p:sp>
@@ -11746,9 +11773,9 @@
           <a:bodyPr/>
           <a:lstStyle/>
           <a:p>
-            <a:fld id="{0CCF0B81-6BD8-4C65-9459-815598C5F1F4}" type="datetimeFigureOut">
+            <a:fld id="{92C5A091-FDC0-C84E-BBD9-5D9B68627BE9}" type="datetime1">
               <a:rPr lang="en-PH" smtClean="0"/>
-              <a:t>08/10/2023</a:t>
+              <a:t>7/11/24</a:t>
             </a:fld>
             <a:endParaRPr lang="en-PH"/>
           </a:p>
@@ -11775,7 +11802,10 @@
           <a:bodyPr/>
           <a:lstStyle/>
           <a:p>
-            <a:endParaRPr lang="en-PH"/>
+            <a:r>
+              <a:rPr lang="en-PH"/>
+              <a:t>CCMACLRL</a:t>
+            </a:r>
           </a:p>
         </p:txBody>
       </p:sp>
@@ -12035,9 +12065,9 @@
           <a:bodyPr/>
           <a:lstStyle/>
           <a:p>
-            <a:fld id="{0CCF0B81-6BD8-4C65-9459-815598C5F1F4}" type="datetimeFigureOut">
+            <a:fld id="{3879EA6E-C7AC-9B4C-A98F-BBAA7A99420D}" type="datetime1">
               <a:rPr lang="en-PH" smtClean="0"/>
-              <a:t>08/10/2023</a:t>
+              <a:t>7/11/24</a:t>
             </a:fld>
             <a:endParaRPr lang="en-PH"/>
           </a:p>
@@ -12064,7 +12094,10 @@
           <a:bodyPr/>
           <a:lstStyle/>
           <a:p>
-            <a:endParaRPr lang="en-PH"/>
+            <a:r>
+              <a:rPr lang="en-PH"/>
+              <a:t>CCMACLRL</a:t>
+            </a:r>
           </a:p>
         </p:txBody>
       </p:sp>
@@ -12278,9 +12311,9 @@
             </a:lvl1pPr>
           </a:lstStyle>
           <a:p>
-            <a:fld id="{0CCF0B81-6BD8-4C65-9459-815598C5F1F4}" type="datetimeFigureOut">
+            <a:fld id="{73ECB854-F2BB-374D-A973-810BB65B8002}" type="datetime1">
               <a:rPr lang="en-PH" smtClean="0"/>
-              <a:t>08/10/2023</a:t>
+              <a:t>7/11/24</a:t>
             </a:fld>
             <a:endParaRPr lang="en-PH"/>
           </a:p>
@@ -12325,7 +12358,10 @@
             </a:lvl1pPr>
           </a:lstStyle>
           <a:p>
-            <a:endParaRPr lang="en-PH"/>
+            <a:r>
+              <a:rPr lang="en-PH"/>
+              <a:t>CCMACLRL</a:t>
+            </a:r>
           </a:p>
         </p:txBody>
       </p:sp>
@@ -12397,6 +12433,7 @@
     <p:sldLayoutId id="2147483658" r:id="rId10"/>
     <p:sldLayoutId id="2147483659" r:id="rId11"/>
   </p:sldLayoutIdLst>
+  <p:hf sldNum="0" hdr="0" dt="0"/>
   <p:txStyles>
     <p:titleStyle>
       <a:lvl1pPr algn="l" defTabSz="914400" rtl="0" eaLnBrk="1" latinLnBrk="0" hangingPunct="1">
@@ -12842,12 +12879,12 @@
           <a:p>
             <a:pPr algn="r"/>
             <a:r>
-              <a:rPr lang="en-US" b="1" dirty="0">
+              <a:rPr lang="en-US" b="1">
                 <a:solidFill>
                   <a:schemeClr val="tx1"/>
                 </a:solidFill>
               </a:rPr>
-              <a:t>CCINSYSL</a:t>
+              <a:t>CCMACLRL</a:t>
             </a:r>
             <a:endParaRPr lang="en-PH" b="1" dirty="0">
               <a:solidFill>
@@ -12937,12 +12974,12 @@
           <a:p>
             <a:pPr algn="r"/>
             <a:r>
-              <a:rPr lang="en-US" b="1" dirty="0">
+              <a:rPr lang="en-US" b="1">
                 <a:solidFill>
                   <a:schemeClr val="tx1"/>
                 </a:solidFill>
               </a:rPr>
-              <a:t>CCINSYSL</a:t>
+              <a:t>CCMACLRL</a:t>
             </a:r>
             <a:endParaRPr lang="en-PH" dirty="0"/>
           </a:p>
@@ -13307,12 +13344,12 @@
           <a:p>
             <a:pPr algn="r"/>
             <a:r>
-              <a:rPr lang="en-US" b="1" dirty="0">
+              <a:rPr lang="en-US" b="1">
                 <a:solidFill>
                   <a:schemeClr val="tx1"/>
                 </a:solidFill>
               </a:rPr>
-              <a:t>CCINSYSL</a:t>
+              <a:t>CCMACLRL</a:t>
             </a:r>
             <a:endParaRPr lang="en-PH" dirty="0"/>
           </a:p>
@@ -13634,12 +13671,12 @@
           <a:p>
             <a:pPr algn="r"/>
             <a:r>
-              <a:rPr lang="en-US" b="1" dirty="0">
+              <a:rPr lang="en-US" b="1">
                 <a:solidFill>
                   <a:schemeClr val="tx1"/>
                 </a:solidFill>
               </a:rPr>
-              <a:t>CCINSYSL</a:t>
+              <a:t>CCMACLRL</a:t>
             </a:r>
             <a:endParaRPr lang="en-PH" dirty="0"/>
           </a:p>
@@ -14043,12 +14080,12 @@
           <a:p>
             <a:pPr algn="r"/>
             <a:r>
-              <a:rPr lang="en-US" b="1" dirty="0">
+              <a:rPr lang="en-US" b="1">
                 <a:solidFill>
                   <a:schemeClr val="tx1"/>
                 </a:solidFill>
               </a:rPr>
-              <a:t>CCINSYSL</a:t>
+              <a:t>CCMACLRL</a:t>
             </a:r>
             <a:endParaRPr lang="en-PH" dirty="0"/>
           </a:p>
@@ -14862,12 +14899,12 @@
           <a:p>
             <a:pPr algn="r"/>
             <a:r>
-              <a:rPr lang="en-US" b="1" dirty="0">
+              <a:rPr lang="en-US" b="1">
                 <a:solidFill>
                   <a:schemeClr val="tx1"/>
                 </a:solidFill>
               </a:rPr>
-              <a:t>CCINSYSL</a:t>
+              <a:t>CCMACLRL</a:t>
             </a:r>
             <a:endParaRPr lang="en-PH" dirty="0"/>
           </a:p>
@@ -15081,12 +15118,12 @@
           <a:p>
             <a:pPr algn="r"/>
             <a:r>
-              <a:rPr lang="en-US" b="1" dirty="0">
+              <a:rPr lang="en-US" b="1">
                 <a:solidFill>
                   <a:schemeClr val="tx1"/>
                 </a:solidFill>
               </a:rPr>
-              <a:t>CCINSYSL</a:t>
+              <a:t>CCMACLRL</a:t>
             </a:r>
             <a:endParaRPr lang="en-PH" dirty="0"/>
           </a:p>
@@ -15309,12 +15346,12 @@
           <a:p>
             <a:pPr algn="r"/>
             <a:r>
-              <a:rPr lang="en-US" b="1" dirty="0">
+              <a:rPr lang="en-US" b="1">
                 <a:solidFill>
                   <a:schemeClr val="tx1"/>
                 </a:solidFill>
               </a:rPr>
-              <a:t>CCINSYSL</a:t>
+              <a:t>CCMACLRL</a:t>
             </a:r>
             <a:endParaRPr lang="en-PH" dirty="0"/>
           </a:p>
@@ -15580,12 +15617,12 @@
           <a:p>
             <a:pPr algn="r"/>
             <a:r>
-              <a:rPr lang="en-US" b="1" dirty="0">
+              <a:rPr lang="en-US" b="1">
                 <a:solidFill>
                   <a:schemeClr val="tx1"/>
                 </a:solidFill>
               </a:rPr>
-              <a:t>CCINSYSL</a:t>
+              <a:t>CCMACLRL</a:t>
             </a:r>
             <a:endParaRPr lang="en-PH" dirty="0"/>
           </a:p>
@@ -15920,12 +15957,12 @@
           <a:p>
             <a:pPr algn="r"/>
             <a:r>
-              <a:rPr lang="en-US" b="1" dirty="0">
+              <a:rPr lang="en-US" b="1">
                 <a:solidFill>
                   <a:schemeClr val="tx1"/>
                 </a:solidFill>
               </a:rPr>
-              <a:t>CCINSYSL</a:t>
+              <a:t>CCMACLRL</a:t>
             </a:r>
             <a:endParaRPr lang="en-PH" dirty="0"/>
           </a:p>
@@ -16417,12 +16454,12 @@
           <a:p>
             <a:pPr algn="r"/>
             <a:r>
-              <a:rPr lang="en-US" b="1" dirty="0">
+              <a:rPr lang="en-US" b="1">
                 <a:solidFill>
                   <a:schemeClr val="tx1"/>
                 </a:solidFill>
               </a:rPr>
-              <a:t>CCINSYSL</a:t>
+              <a:t>CCMACLRL</a:t>
             </a:r>
             <a:endParaRPr lang="en-PH" dirty="0"/>
           </a:p>
@@ -17028,12 +17065,12 @@
           <a:p>
             <a:pPr algn="r"/>
             <a:r>
-              <a:rPr lang="en-US" b="1" dirty="0">
+              <a:rPr lang="en-US" b="1">
                 <a:solidFill>
                   <a:schemeClr val="tx1"/>
                 </a:solidFill>
               </a:rPr>
-              <a:t>CCINSYSL</a:t>
+              <a:t>CCMACLRL</a:t>
             </a:r>
             <a:endParaRPr lang="en-PH" dirty="0"/>
           </a:p>
@@ -17438,12 +17475,12 @@
           <a:p>
             <a:pPr algn="r"/>
             <a:r>
-              <a:rPr lang="en-US" b="1" dirty="0">
+              <a:rPr lang="en-US" b="1">
                 <a:solidFill>
                   <a:schemeClr val="tx1"/>
                 </a:solidFill>
               </a:rPr>
-              <a:t>CCINSYSL</a:t>
+              <a:t>CCMACLRL</a:t>
             </a:r>
             <a:endParaRPr lang="en-PH" dirty="0"/>
           </a:p>
@@ -18156,12 +18193,12 @@
           <a:p>
             <a:pPr algn="r"/>
             <a:r>
-              <a:rPr lang="en-US" b="1" dirty="0">
+              <a:rPr lang="en-US" b="1">
                 <a:solidFill>
                   <a:schemeClr val="tx1"/>
                 </a:solidFill>
               </a:rPr>
-              <a:t>CCINSYSL</a:t>
+              <a:t>CCMACLRL</a:t>
             </a:r>
             <a:endParaRPr lang="en-PH" dirty="0"/>
           </a:p>
@@ -18487,12 +18524,12 @@
           <a:p>
             <a:pPr algn="r"/>
             <a:r>
-              <a:rPr lang="en-US" b="1" dirty="0">
+              <a:rPr lang="en-US" b="1">
                 <a:solidFill>
                   <a:schemeClr val="tx1"/>
                 </a:solidFill>
               </a:rPr>
-              <a:t>CCINSYSL</a:t>
+              <a:t>CCMACLRL</a:t>
             </a:r>
             <a:endParaRPr lang="en-PH" dirty="0"/>
           </a:p>
@@ -18717,12 +18754,12 @@
           <a:p>
             <a:pPr algn="r"/>
             <a:r>
-              <a:rPr lang="en-US" b="1" dirty="0">
+              <a:rPr lang="en-US" b="1">
                 <a:solidFill>
                   <a:schemeClr val="tx1"/>
                 </a:solidFill>
               </a:rPr>
-              <a:t>CCINSYSL</a:t>
+              <a:t>CCMACLRL</a:t>
             </a:r>
             <a:endParaRPr lang="en-PH" dirty="0"/>
           </a:p>
@@ -19912,12 +19949,12 @@
           <a:p>
             <a:pPr algn="r"/>
             <a:r>
-              <a:rPr lang="en-US" b="1" dirty="0">
+              <a:rPr lang="en-US" b="1">
                 <a:solidFill>
                   <a:schemeClr val="tx1"/>
                 </a:solidFill>
               </a:rPr>
-              <a:t>CCINSYSL</a:t>
+              <a:t>CCMACLRL</a:t>
             </a:r>
             <a:endParaRPr lang="en-PH" dirty="0"/>
           </a:p>
@@ -20351,8 +20388,8 @@
           </p:sp>
         </mc:Fallback>
       </mc:AlternateContent>
-      <mc:AlternateContent xmlns:mc="http://schemas.openxmlformats.org/markup-compatibility/2006">
-        <mc:Choice xmlns:a14="http://schemas.microsoft.com/office/drawing/2010/main" Requires="a14">
+      <mc:AlternateContent xmlns:mc="http://schemas.openxmlformats.org/markup-compatibility/2006" xmlns:a14="http://schemas.microsoft.com/office/drawing/2010/main">
+        <mc:Choice Requires="a14">
           <p:sp>
             <p:nvSpPr>
               <p:cNvPr id="7" name="TextBox 6">
@@ -20841,7 +20878,7 @@
             </p:txBody>
           </p:sp>
         </mc:Choice>
-        <mc:Fallback>
+        <mc:Fallback xmlns="">
           <p:sp>
             <p:nvSpPr>
               <p:cNvPr id="7" name="TextBox 6">
@@ -20966,12 +21003,12 @@
           <a:p>
             <a:pPr algn="r"/>
             <a:r>
-              <a:rPr lang="en-US" b="1" dirty="0">
+              <a:rPr lang="en-US" b="1">
                 <a:solidFill>
                   <a:schemeClr val="tx1"/>
                 </a:solidFill>
               </a:rPr>
-              <a:t>CCINSYSL</a:t>
+              <a:t>CCMACLRL</a:t>
             </a:r>
             <a:endParaRPr lang="en-PH" dirty="0"/>
           </a:p>
@@ -21012,8 +21049,8 @@
           </a:p>
         </p:txBody>
       </p:sp>
-      <mc:AlternateContent xmlns:mc="http://schemas.openxmlformats.org/markup-compatibility/2006">
-        <mc:Choice xmlns:a14="http://schemas.microsoft.com/office/drawing/2010/main" Requires="a14">
+      <mc:AlternateContent xmlns:mc="http://schemas.openxmlformats.org/markup-compatibility/2006" xmlns:a14="http://schemas.microsoft.com/office/drawing/2010/main">
+        <mc:Choice Requires="a14">
           <p:sp>
             <p:nvSpPr>
               <p:cNvPr id="3" name="TextBox 2">
@@ -21460,14 +21497,7 @@
                               <a:latin typeface="Cambria Math" panose="02040503050406030204" pitchFamily="18" charset="0"/>
                               <a:ea typeface="Cambria Math" panose="02040503050406030204" pitchFamily="18" charset="0"/>
                             </a:rPr>
-                            <m:t>𝜕</m:t>
-                          </m:r>
-                          <m:r>
-                            <a:rPr lang="en-US" sz="3000" i="1">
-                              <a:latin typeface="Cambria Math" panose="02040503050406030204" pitchFamily="18" charset="0"/>
-                              <a:ea typeface="Cambria Math" panose="02040503050406030204" pitchFamily="18" charset="0"/>
-                            </a:rPr>
-                            <m:t>𝜎</m:t>
+                            <m:t>𝜕𝜎</m:t>
                           </m:r>
                           <m:r>
                             <a:rPr lang="en-US" sz="3000" i="1">
@@ -21538,14 +21568,7 @@
                               <a:latin typeface="Cambria Math" panose="02040503050406030204" pitchFamily="18" charset="0"/>
                               <a:ea typeface="Cambria Math" panose="02040503050406030204" pitchFamily="18" charset="0"/>
                             </a:rPr>
-                            <m:t>𝜕</m:t>
-                          </m:r>
-                          <m:r>
-                            <a:rPr lang="en-US" sz="3000" i="1">
-                              <a:latin typeface="Cambria Math" panose="02040503050406030204" pitchFamily="18" charset="0"/>
-                              <a:ea typeface="Cambria Math" panose="02040503050406030204" pitchFamily="18" charset="0"/>
-                            </a:rPr>
-                            <m:t>𝜃</m:t>
+                            <m:t>𝜕𝜃</m:t>
                           </m:r>
                         </m:den>
                       </m:f>
@@ -21560,7 +21583,7 @@
             </p:txBody>
           </p:sp>
         </mc:Choice>
-        <mc:Fallback>
+        <mc:Fallback xmlns="">
           <p:sp>
             <p:nvSpPr>
               <p:cNvPr id="3" name="TextBox 2">
@@ -21605,8 +21628,8 @@
           </p:sp>
         </mc:Fallback>
       </mc:AlternateContent>
-      <mc:AlternateContent xmlns:mc="http://schemas.openxmlformats.org/markup-compatibility/2006">
-        <mc:Choice xmlns:a14="http://schemas.microsoft.com/office/drawing/2010/main" Requires="a14">
+      <mc:AlternateContent xmlns:mc="http://schemas.openxmlformats.org/markup-compatibility/2006" xmlns:a14="http://schemas.microsoft.com/office/drawing/2010/main">
+        <mc:Choice Requires="a14">
           <p:sp>
             <p:nvSpPr>
               <p:cNvPr id="5" name="TextBox 4">
@@ -21802,7 +21825,7 @@
             </p:txBody>
           </p:sp>
         </mc:Choice>
-        <mc:Fallback>
+        <mc:Fallback xmlns="">
           <p:sp>
             <p:nvSpPr>
               <p:cNvPr id="5" name="TextBox 4">
@@ -21847,8 +21870,8 @@
           </p:sp>
         </mc:Fallback>
       </mc:AlternateContent>
-      <mc:AlternateContent xmlns:mc="http://schemas.openxmlformats.org/markup-compatibility/2006">
-        <mc:Choice xmlns:a14="http://schemas.microsoft.com/office/drawing/2010/main" Requires="a14">
+      <mc:AlternateContent xmlns:mc="http://schemas.openxmlformats.org/markup-compatibility/2006" xmlns:a14="http://schemas.microsoft.com/office/drawing/2010/main">
+        <mc:Choice Requires="a14">
           <p:sp>
             <p:nvSpPr>
               <p:cNvPr id="6" name="TextBox 5">
@@ -22080,7 +22103,7 @@
             </p:txBody>
           </p:sp>
         </mc:Choice>
-        <mc:Fallback>
+        <mc:Fallback xmlns="">
           <p:sp>
             <p:nvSpPr>
               <p:cNvPr id="6" name="TextBox 5">
@@ -22125,8 +22148,8 @@
           </p:sp>
         </mc:Fallback>
       </mc:AlternateContent>
-      <mc:AlternateContent xmlns:mc="http://schemas.openxmlformats.org/markup-compatibility/2006">
-        <mc:Choice xmlns:a14="http://schemas.microsoft.com/office/drawing/2010/main" Requires="a14">
+      <mc:AlternateContent xmlns:mc="http://schemas.openxmlformats.org/markup-compatibility/2006" xmlns:a14="http://schemas.microsoft.com/office/drawing/2010/main">
+        <mc:Choice Requires="a14">
           <p:sp>
             <p:nvSpPr>
               <p:cNvPr id="8" name="TextBox 7">
@@ -22175,7 +22198,7 @@
             </p:txBody>
           </p:sp>
         </mc:Choice>
-        <mc:Fallback>
+        <mc:Fallback xmlns="">
           <p:sp>
             <p:nvSpPr>
               <p:cNvPr id="8" name="TextBox 7">
@@ -22300,12 +22323,12 @@
           <a:p>
             <a:pPr algn="r"/>
             <a:r>
-              <a:rPr lang="en-US" b="1" dirty="0">
+              <a:rPr lang="en-US" b="1">
                 <a:solidFill>
                   <a:schemeClr val="tx1"/>
                 </a:solidFill>
               </a:rPr>
-              <a:t>CCINSYSL</a:t>
+              <a:t>CCMACLRL</a:t>
             </a:r>
             <a:endParaRPr lang="en-PH" dirty="0"/>
           </a:p>
@@ -22346,8 +22369,8 @@
           </a:p>
         </p:txBody>
       </p:sp>
-      <mc:AlternateContent xmlns:mc="http://schemas.openxmlformats.org/markup-compatibility/2006">
-        <mc:Choice xmlns:a14="http://schemas.microsoft.com/office/drawing/2010/main" Requires="a14">
+      <mc:AlternateContent xmlns:mc="http://schemas.openxmlformats.org/markup-compatibility/2006" xmlns:a14="http://schemas.microsoft.com/office/drawing/2010/main">
+        <mc:Choice Requires="a14">
           <p:sp>
             <p:nvSpPr>
               <p:cNvPr id="6" name="TextBox 5">
@@ -22548,7 +22571,7 @@
             </p:txBody>
           </p:sp>
         </mc:Choice>
-        <mc:Fallback>
+        <mc:Fallback xmlns="">
           <p:sp>
             <p:nvSpPr>
               <p:cNvPr id="6" name="TextBox 5">
@@ -22593,8 +22616,8 @@
           </p:sp>
         </mc:Fallback>
       </mc:AlternateContent>
-      <mc:AlternateContent xmlns:mc="http://schemas.openxmlformats.org/markup-compatibility/2006">
-        <mc:Choice xmlns:a14="http://schemas.microsoft.com/office/drawing/2010/main" Requires="a14">
+      <mc:AlternateContent xmlns:mc="http://schemas.openxmlformats.org/markup-compatibility/2006" xmlns:a14="http://schemas.microsoft.com/office/drawing/2010/main">
+        <mc:Choice Requires="a14">
           <p:sp>
             <p:nvSpPr>
               <p:cNvPr id="7" name="TextBox 6">
@@ -22811,7 +22834,7 @@
             </p:txBody>
           </p:sp>
         </mc:Choice>
-        <mc:Fallback>
+        <mc:Fallback xmlns="">
           <p:sp>
             <p:nvSpPr>
               <p:cNvPr id="7" name="TextBox 6">
@@ -22856,8 +22879,8 @@
           </p:sp>
         </mc:Fallback>
       </mc:AlternateContent>
-      <mc:AlternateContent xmlns:mc="http://schemas.openxmlformats.org/markup-compatibility/2006">
-        <mc:Choice xmlns:a14="http://schemas.microsoft.com/office/drawing/2010/main" Requires="a14">
+      <mc:AlternateContent xmlns:mc="http://schemas.openxmlformats.org/markup-compatibility/2006" xmlns:a14="http://schemas.microsoft.com/office/drawing/2010/main">
+        <mc:Choice Requires="a14">
           <p:sp>
             <p:nvSpPr>
               <p:cNvPr id="8" name="TextBox 7">
@@ -22910,7 +22933,7 @@
             </p:txBody>
           </p:sp>
         </mc:Choice>
-        <mc:Fallback>
+        <mc:Fallback xmlns="">
           <p:sp>
             <p:nvSpPr>
               <p:cNvPr id="8" name="TextBox 7">
@@ -23035,12 +23058,12 @@
           <a:p>
             <a:pPr algn="r"/>
             <a:r>
-              <a:rPr lang="en-US" b="1" dirty="0">
+              <a:rPr lang="en-US" b="1">
                 <a:solidFill>
                   <a:schemeClr val="tx1"/>
                 </a:solidFill>
               </a:rPr>
-              <a:t>CCINSYSL</a:t>
+              <a:t>CCMACLRL</a:t>
             </a:r>
             <a:endParaRPr lang="en-PH" dirty="0"/>
           </a:p>
@@ -23220,12 +23243,12 @@
           <a:p>
             <a:pPr algn="r"/>
             <a:r>
-              <a:rPr lang="en-US" b="1" dirty="0">
+              <a:rPr lang="en-US" b="1">
                 <a:solidFill>
                   <a:schemeClr val="tx1"/>
                 </a:solidFill>
               </a:rPr>
-              <a:t>CCINSYSL</a:t>
+              <a:t>CCMACLRL</a:t>
             </a:r>
             <a:endParaRPr lang="en-PH" dirty="0"/>
           </a:p>
@@ -23813,12 +23836,12 @@
           <a:p>
             <a:pPr algn="r"/>
             <a:r>
-              <a:rPr lang="en-US" b="1" dirty="0">
+              <a:rPr lang="en-US" b="1">
                 <a:solidFill>
                   <a:schemeClr val="tx1"/>
                 </a:solidFill>
               </a:rPr>
-              <a:t>CCINSYSL</a:t>
+              <a:t>CCMACLRL</a:t>
             </a:r>
             <a:endParaRPr lang="en-PH" dirty="0"/>
           </a:p>
@@ -25533,12 +25556,12 @@
           <a:p>
             <a:pPr algn="r"/>
             <a:r>
-              <a:rPr lang="en-US" b="1" dirty="0">
+              <a:rPr lang="en-US" b="1">
                 <a:solidFill>
                   <a:schemeClr val="tx1"/>
                 </a:solidFill>
               </a:rPr>
-              <a:t>CCINSYSL</a:t>
+              <a:t>CCMACLRL</a:t>
             </a:r>
             <a:endParaRPr lang="en-PH" dirty="0"/>
           </a:p>
@@ -26543,12 +26566,12 @@
           <a:p>
             <a:pPr algn="r"/>
             <a:r>
-              <a:rPr lang="en-US" b="1" dirty="0">
+              <a:rPr lang="en-US" b="1">
                 <a:solidFill>
                   <a:schemeClr val="tx1"/>
                 </a:solidFill>
               </a:rPr>
-              <a:t>CCINSYSL</a:t>
+              <a:t>CCMACLRL</a:t>
             </a:r>
             <a:endParaRPr lang="en-PH" dirty="0"/>
           </a:p>
@@ -27271,12 +27294,12 @@
           <a:p>
             <a:pPr algn="r"/>
             <a:r>
-              <a:rPr lang="en-US" b="1" dirty="0">
+              <a:rPr lang="en-US" b="1">
                 <a:solidFill>
                   <a:schemeClr val="tx1"/>
                 </a:solidFill>
               </a:rPr>
-              <a:t>CCINSYSL</a:t>
+              <a:t>CCMACLRL</a:t>
             </a:r>
             <a:endParaRPr lang="en-PH" dirty="0"/>
           </a:p>
@@ -27514,12 +27537,12 @@
           <a:p>
             <a:pPr algn="r"/>
             <a:r>
-              <a:rPr lang="en-US" b="1" dirty="0">
+              <a:rPr lang="en-US" b="1">
                 <a:solidFill>
                   <a:schemeClr val="tx1"/>
                 </a:solidFill>
               </a:rPr>
-              <a:t>CCINSYSL</a:t>
+              <a:t>CCMACLRL</a:t>
             </a:r>
             <a:endParaRPr lang="en-PH" dirty="0"/>
           </a:p>
@@ -28282,6 +28305,15 @@
 </file>
 
 <file path=customXml/item1.xml><?xml version="1.0" encoding="utf-8"?>
+<?mso-contentType ?>
+<FormTemplates xmlns="http://schemas.microsoft.com/sharepoint/v3/contenttype/forms">
+  <Display>DocumentLibraryForm</Display>
+  <Edit>DocumentLibraryForm</Edit>
+  <New>DocumentLibraryForm</New>
+</FormTemplates>
+</file>
+
+<file path=customXml/item2.xml><?xml version="1.0" encoding="utf-8"?>
 <ct:contentTypeSchema xmlns:ct="http://schemas.microsoft.com/office/2006/metadata/contentType" xmlns:ma="http://schemas.microsoft.com/office/2006/metadata/properties/metaAttributes" ct:_="" ma:_="" ma:contentTypeName="Document" ma:contentTypeID="0x0101007188BDCA587B344BBA6CB1A93FAE6998" ma:contentTypeVersion="2" ma:contentTypeDescription="Create a new document." ma:contentTypeScope="" ma:versionID="7a8e4b6720badb2566a0cfeddfaf2856">
   <xsd:schema xmlns:xsd="http://www.w3.org/2001/XMLSchema" xmlns:xs="http://www.w3.org/2001/XMLSchema" xmlns:p="http://schemas.microsoft.com/office/2006/metadata/properties" xmlns:ns2="ba111d12-426d-4af0-bcb6-460e36974645" targetNamespace="http://schemas.microsoft.com/office/2006/metadata/properties" ma:root="true" ma:fieldsID="989b05398519136c88ba0a8d54e3c3da" ns2:_="">
     <xsd:import namespace="ba111d12-426d-4af0-bcb6-460e36974645"/>
@@ -28413,15 +28445,6 @@
 </ct:contentTypeSchema>
 </file>
 
-<file path=customXml/item2.xml><?xml version="1.0" encoding="utf-8"?>
-<?mso-contentType ?>
-<FormTemplates xmlns="http://schemas.microsoft.com/sharepoint/v3/contenttype/forms">
-  <Display>DocumentLibraryForm</Display>
-  <Edit>DocumentLibraryForm</Edit>
-  <New>DocumentLibraryForm</New>
-</FormTemplates>
-</file>
-
 <file path=customXml/item3.xml><?xml version="1.0" encoding="utf-8"?>
 <p:properties xmlns:p="http://schemas.microsoft.com/office/2006/metadata/properties" xmlns:xsi="http://www.w3.org/2001/XMLSchema-instance" xmlns:pc="http://schemas.microsoft.com/office/infopath/2007/PartnerControls">
   <documentManagement/>
@@ -28429,6 +28452,14 @@
 </file>
 
 <file path=customXml/itemProps1.xml><?xml version="1.0" encoding="utf-8"?>
+<ds:datastoreItem xmlns:ds="http://schemas.openxmlformats.org/officeDocument/2006/customXml" ds:itemID="{6C1A3F1B-CE3A-47AB-9F84-47E786467973}">
+  <ds:schemaRefs>
+    <ds:schemaRef ds:uri="http://schemas.microsoft.com/sharepoint/v3/contenttype/forms"/>
+  </ds:schemaRefs>
+</ds:datastoreItem>
+</file>
+
+<file path=customXml/itemProps2.xml><?xml version="1.0" encoding="utf-8"?>
 <ds:datastoreItem xmlns:ds="http://schemas.openxmlformats.org/officeDocument/2006/customXml" ds:itemID="{D622FF19-6ECD-4B79-A412-9430824D2BB6}">
   <ds:schemaRefs>
     <ds:schemaRef ds:uri="http://schemas.microsoft.com/office/2006/metadata/contentType"/>
@@ -28446,14 +28477,6 @@
 </ds:datastoreItem>
 </file>
 
-<file path=customXml/itemProps2.xml><?xml version="1.0" encoding="utf-8"?>
-<ds:datastoreItem xmlns:ds="http://schemas.openxmlformats.org/officeDocument/2006/customXml" ds:itemID="{6C1A3F1B-CE3A-47AB-9F84-47E786467973}">
-  <ds:schemaRefs>
-    <ds:schemaRef ds:uri="http://schemas.microsoft.com/sharepoint/v3/contenttype/forms"/>
-  </ds:schemaRefs>
-</ds:datastoreItem>
-</file>
-
 <file path=customXml/itemProps3.xml><?xml version="1.0" encoding="utf-8"?>
 <ds:datastoreItem xmlns:ds="http://schemas.openxmlformats.org/officeDocument/2006/customXml" ds:itemID="{7ACF14CA-9E7F-410C-99DF-E0FAFDE78C11}">
   <ds:schemaRefs>
